--- a/QtOsa2/dll_exe_kevat2025.pptx
+++ b/QtOsa2/dll_exe_kevat2025.pptx
@@ -7,12 +7,11 @@
   <p:sldIdLst>
     <p:sldId id="295" r:id="rId5"/>
     <p:sldId id="256" r:id="rId6"/>
-    <p:sldId id="292" r:id="rId7"/>
-    <p:sldId id="296" r:id="rId8"/>
-    <p:sldId id="289" r:id="rId9"/>
-    <p:sldId id="290" r:id="rId10"/>
-    <p:sldId id="293" r:id="rId11"/>
-    <p:sldId id="291" r:id="rId12"/>
+    <p:sldId id="289" r:id="rId7"/>
+    <p:sldId id="290" r:id="rId8"/>
+    <p:sldId id="293" r:id="rId9"/>
+    <p:sldId id="296" r:id="rId10"/>
+    <p:sldId id="297" r:id="rId11"/>
   </p:sldIdLst>
   <p:sldSz cx="12192000" cy="6858000"/>
   <p:notesSz cx="6858000" cy="9144000"/>
@@ -276,7 +275,7 @@
           <a:p>
             <a:fld id="{A6D0A82B-0C64-4E8A-B13B-F437FD05AE74}" type="datetimeFigureOut">
               <a:rPr lang="fi-FI" smtClean="0"/>
-              <a:t>9.3.2025</a:t>
+              <a:t>16.3.2025</a:t>
             </a:fld>
             <a:endParaRPr lang="fi-FI"/>
           </a:p>
@@ -476,7 +475,7 @@
           <a:p>
             <a:fld id="{A6D0A82B-0C64-4E8A-B13B-F437FD05AE74}" type="datetimeFigureOut">
               <a:rPr lang="fi-FI" smtClean="0"/>
-              <a:t>9.3.2025</a:t>
+              <a:t>16.3.2025</a:t>
             </a:fld>
             <a:endParaRPr lang="fi-FI"/>
           </a:p>
@@ -686,7 +685,7 @@
           <a:p>
             <a:fld id="{A6D0A82B-0C64-4E8A-B13B-F437FD05AE74}" type="datetimeFigureOut">
               <a:rPr lang="fi-FI" smtClean="0"/>
-              <a:t>9.3.2025</a:t>
+              <a:t>16.3.2025</a:t>
             </a:fld>
             <a:endParaRPr lang="fi-FI"/>
           </a:p>
@@ -886,7 +885,7 @@
           <a:p>
             <a:fld id="{A6D0A82B-0C64-4E8A-B13B-F437FD05AE74}" type="datetimeFigureOut">
               <a:rPr lang="fi-FI" smtClean="0"/>
-              <a:t>9.3.2025</a:t>
+              <a:t>16.3.2025</a:t>
             </a:fld>
             <a:endParaRPr lang="fi-FI"/>
           </a:p>
@@ -1162,7 +1161,7 @@
           <a:p>
             <a:fld id="{A6D0A82B-0C64-4E8A-B13B-F437FD05AE74}" type="datetimeFigureOut">
               <a:rPr lang="fi-FI" smtClean="0"/>
-              <a:t>9.3.2025</a:t>
+              <a:t>16.3.2025</a:t>
             </a:fld>
             <a:endParaRPr lang="fi-FI"/>
           </a:p>
@@ -1430,7 +1429,7 @@
           <a:p>
             <a:fld id="{A6D0A82B-0C64-4E8A-B13B-F437FD05AE74}" type="datetimeFigureOut">
               <a:rPr lang="fi-FI" smtClean="0"/>
-              <a:t>9.3.2025</a:t>
+              <a:t>16.3.2025</a:t>
             </a:fld>
             <a:endParaRPr lang="fi-FI"/>
           </a:p>
@@ -1845,7 +1844,7 @@
           <a:p>
             <a:fld id="{A6D0A82B-0C64-4E8A-B13B-F437FD05AE74}" type="datetimeFigureOut">
               <a:rPr lang="fi-FI" smtClean="0"/>
-              <a:t>9.3.2025</a:t>
+              <a:t>16.3.2025</a:t>
             </a:fld>
             <a:endParaRPr lang="fi-FI"/>
           </a:p>
@@ -1987,7 +1986,7 @@
           <a:p>
             <a:fld id="{A6D0A82B-0C64-4E8A-B13B-F437FD05AE74}" type="datetimeFigureOut">
               <a:rPr lang="fi-FI" smtClean="0"/>
-              <a:t>9.3.2025</a:t>
+              <a:t>16.3.2025</a:t>
             </a:fld>
             <a:endParaRPr lang="fi-FI"/>
           </a:p>
@@ -2100,7 +2099,7 @@
           <a:p>
             <a:fld id="{A6D0A82B-0C64-4E8A-B13B-F437FD05AE74}" type="datetimeFigureOut">
               <a:rPr lang="fi-FI" smtClean="0"/>
-              <a:t>9.3.2025</a:t>
+              <a:t>16.3.2025</a:t>
             </a:fld>
             <a:endParaRPr lang="fi-FI"/>
           </a:p>
@@ -2413,7 +2412,7 @@
           <a:p>
             <a:fld id="{A6D0A82B-0C64-4E8A-B13B-F437FD05AE74}" type="datetimeFigureOut">
               <a:rPr lang="fi-FI" smtClean="0"/>
-              <a:t>9.3.2025</a:t>
+              <a:t>16.3.2025</a:t>
             </a:fld>
             <a:endParaRPr lang="fi-FI"/>
           </a:p>
@@ -2702,7 +2701,7 @@
           <a:p>
             <a:fld id="{A6D0A82B-0C64-4E8A-B13B-F437FD05AE74}" type="datetimeFigureOut">
               <a:rPr lang="fi-FI" smtClean="0"/>
-              <a:t>9.3.2025</a:t>
+              <a:t>16.3.2025</a:t>
             </a:fld>
             <a:endParaRPr lang="fi-FI"/>
           </a:p>
@@ -2945,7 +2944,7 @@
           <a:p>
             <a:fld id="{A6D0A82B-0C64-4E8A-B13B-F437FD05AE74}" type="datetimeFigureOut">
               <a:rPr lang="fi-FI" smtClean="0"/>
-              <a:t>9.3.2025</a:t>
+              <a:t>16.3.2025</a:t>
             </a:fld>
             <a:endParaRPr lang="fi-FI"/>
           </a:p>
@@ -3477,38 +3476,8 @@
         </p:blipFill>
         <p:spPr>
           <a:xfrm>
-            <a:off x="663953" y="1606134"/>
+            <a:off x="2650408" y="1720434"/>
             <a:ext cx="6724650" cy="3048000"/>
-          </a:xfrm>
-          <a:prstGeom prst="rect">
-            <a:avLst/>
-          </a:prstGeom>
-        </p:spPr>
-      </p:pic>
-      <p:pic>
-        <p:nvPicPr>
-          <p:cNvPr id="8" name="Picture 7">
-            <a:extLst>
-              <a:ext uri="{FF2B5EF4-FFF2-40B4-BE49-F238E27FC236}">
-                <a16:creationId xmlns:a16="http://schemas.microsoft.com/office/drawing/2014/main" id="{1B92FFB9-0EC3-9D06-E1D3-C3598A64C6C4}"/>
-              </a:ext>
-            </a:extLst>
-          </p:cNvPr>
-          <p:cNvPicPr>
-            <a:picLocks noChangeAspect="1"/>
-          </p:cNvPicPr>
-          <p:nvPr/>
-        </p:nvPicPr>
-        <p:blipFill>
-          <a:blip r:embed="rId3"/>
-          <a:stretch>
-            <a:fillRect/>
-          </a:stretch>
-        </p:blipFill>
-        <p:spPr>
-          <a:xfrm>
-            <a:off x="8844748" y="1606134"/>
-            <a:ext cx="2971800" cy="3971925"/>
           </a:xfrm>
           <a:prstGeom prst="rect">
             <a:avLst/>
@@ -3628,868 +3597,6 @@
 </file>
 
 <file path=ppt/slides/slide3.xml><?xml version="1.0" encoding="utf-8"?>
-<p:sld xmlns:a="http://schemas.openxmlformats.org/drawingml/2006/main" xmlns:r="http://schemas.openxmlformats.org/officeDocument/2006/relationships" xmlns:p="http://schemas.openxmlformats.org/presentationml/2006/main">
-  <p:cSld>
-    <p:spTree>
-      <p:nvGrpSpPr>
-        <p:cNvPr id="1" name=""/>
-        <p:cNvGrpSpPr/>
-        <p:nvPr/>
-      </p:nvGrpSpPr>
-      <p:grpSpPr>
-        <a:xfrm>
-          <a:off x="0" y="0"/>
-          <a:ext cx="0" cy="0"/>
-          <a:chOff x="0" y="0"/>
-          <a:chExt cx="0" cy="0"/>
-        </a:xfrm>
-      </p:grpSpPr>
-      <p:sp>
-        <p:nvSpPr>
-          <p:cNvPr id="4" name="Title 3">
-            <a:extLst>
-              <a:ext uri="{FF2B5EF4-FFF2-40B4-BE49-F238E27FC236}">
-                <a16:creationId xmlns:a16="http://schemas.microsoft.com/office/drawing/2014/main" id="{D6360C15-8A91-E046-EB98-665FC8BD79CB}"/>
-              </a:ext>
-            </a:extLst>
-          </p:cNvPr>
-          <p:cNvSpPr>
-            <a:spLocks noGrp="1"/>
-          </p:cNvSpPr>
-          <p:nvPr>
-            <p:ph type="title"/>
-          </p:nvPr>
-        </p:nvSpPr>
-        <p:spPr/>
-        <p:txBody>
-          <a:bodyPr/>
-          <a:lstStyle/>
-          <a:p>
-            <a:r>
-              <a:rPr lang="fi-FI" dirty="0"/>
-              <a:t>Miksi </a:t>
-            </a:r>
-            <a:r>
-              <a:rPr lang="fi-FI" dirty="0" err="1"/>
-              <a:t>interface-engine</a:t>
-            </a:r>
-            <a:r>
-              <a:rPr lang="fi-FI" dirty="0"/>
-              <a:t> rakenne DLL:n sisälle?</a:t>
-            </a:r>
-          </a:p>
-        </p:txBody>
-      </p:sp>
-      <p:pic>
-        <p:nvPicPr>
-          <p:cNvPr id="6" name="Picture 5">
-            <a:extLst>
-              <a:ext uri="{FF2B5EF4-FFF2-40B4-BE49-F238E27FC236}">
-                <a16:creationId xmlns:a16="http://schemas.microsoft.com/office/drawing/2014/main" id="{E1AED4A1-DAB3-91F3-4982-FD7F96A44ABE}"/>
-              </a:ext>
-            </a:extLst>
-          </p:cNvPr>
-          <p:cNvPicPr>
-            <a:picLocks noChangeAspect="1"/>
-          </p:cNvPicPr>
-          <p:nvPr/>
-        </p:nvPicPr>
-        <p:blipFill>
-          <a:blip r:embed="rId2"/>
-          <a:stretch>
-            <a:fillRect/>
-          </a:stretch>
-        </p:blipFill>
-        <p:spPr>
-          <a:xfrm>
-            <a:off x="2379216" y="1690688"/>
-            <a:ext cx="7637754" cy="3401187"/>
-          </a:xfrm>
-          <a:prstGeom prst="rect">
-            <a:avLst/>
-          </a:prstGeom>
-        </p:spPr>
-      </p:pic>
-      <p:sp>
-        <p:nvSpPr>
-          <p:cNvPr id="2" name="TextBox 1">
-            <a:extLst>
-              <a:ext uri="{FF2B5EF4-FFF2-40B4-BE49-F238E27FC236}">
-                <a16:creationId xmlns:a16="http://schemas.microsoft.com/office/drawing/2014/main" id="{1A2B4510-69CC-DD38-1B49-68D1C2F9D59E}"/>
-              </a:ext>
-            </a:extLst>
-          </p:cNvPr>
-          <p:cNvSpPr txBox="1"/>
-          <p:nvPr/>
-        </p:nvSpPr>
-        <p:spPr>
-          <a:xfrm>
-            <a:off x="1123178" y="5167312"/>
-            <a:ext cx="10149830" cy="1477328"/>
-          </a:xfrm>
-          <a:prstGeom prst="rect">
-            <a:avLst/>
-          </a:prstGeom>
-          <a:noFill/>
-        </p:spPr>
-        <p:txBody>
-          <a:bodyPr wrap="none" rtlCol="0">
-            <a:spAutoFit/>
-          </a:bodyPr>
-          <a:lstStyle/>
-          <a:p>
-            <a:r>
-              <a:rPr lang="fi-FI" b="1" dirty="0" err="1"/>
-              <a:t>Interface-engine</a:t>
-            </a:r>
-            <a:r>
-              <a:rPr lang="fi-FI" b="1" dirty="0"/>
-              <a:t> rakenne</a:t>
-            </a:r>
-            <a:r>
-              <a:rPr lang="fi-FI" dirty="0"/>
-              <a:t> tarkoittaa siis sitä, että DLL:n sisällä on kaksi luokkaa </a:t>
-            </a:r>
-            <a:r>
-              <a:rPr lang="fi-FI" dirty="0" err="1"/>
-              <a:t>interface</a:t>
-            </a:r>
-            <a:r>
-              <a:rPr lang="fi-FI" dirty="0"/>
-              <a:t> ja </a:t>
-            </a:r>
-            <a:r>
-              <a:rPr lang="fi-FI" dirty="0" err="1"/>
-              <a:t>engine</a:t>
-            </a:r>
-            <a:r>
-              <a:rPr lang="fi-FI" dirty="0"/>
-              <a:t>.</a:t>
-            </a:r>
-          </a:p>
-          <a:p>
-            <a:r>
-              <a:rPr lang="fi-FI" b="1" dirty="0" err="1"/>
-              <a:t>Interface</a:t>
-            </a:r>
-            <a:r>
-              <a:rPr lang="fi-FI" b="1" dirty="0"/>
-              <a:t> luokassa </a:t>
-            </a:r>
-            <a:r>
-              <a:rPr lang="fi-FI" dirty="0"/>
-              <a:t>on </a:t>
-            </a:r>
-            <a:r>
-              <a:rPr lang="fi-FI" i="1" u="sng" dirty="0"/>
-              <a:t>funktiot</a:t>
-            </a:r>
-            <a:r>
-              <a:rPr lang="fi-FI" dirty="0"/>
-              <a:t> tai </a:t>
-            </a:r>
-            <a:r>
-              <a:rPr lang="fi-FI" i="1" u="sng" dirty="0" err="1"/>
-              <a:t>Qt</a:t>
-            </a:r>
-            <a:r>
-              <a:rPr lang="fi-FI" i="1" u="sng" dirty="0"/>
-              <a:t> signaalit </a:t>
-            </a:r>
-            <a:r>
-              <a:rPr lang="fi-FI" dirty="0"/>
-              <a:t>tai molemmat, joiden avulla DLL:n käyttäjä saa palveluja </a:t>
-            </a:r>
-          </a:p>
-          <a:p>
-            <a:r>
-              <a:rPr lang="fi-FI" dirty="0"/>
-              <a:t>DLL-komponentilta.</a:t>
-            </a:r>
-          </a:p>
-          <a:p>
-            <a:r>
-              <a:rPr lang="fi-FI" b="1" dirty="0"/>
-              <a:t>Engine luokkaan </a:t>
-            </a:r>
-            <a:r>
-              <a:rPr lang="fi-FI" dirty="0"/>
-              <a:t>”piilotetaan” kaikki likaiset yksityiskohdat, joista DLL:n käyttäjän ei tarvitse olla tietoinen</a:t>
-            </a:r>
-          </a:p>
-          <a:p>
-            <a:r>
-              <a:rPr lang="fi-FI" dirty="0"/>
-              <a:t>Esimerkiksi RFID lukija DLL:n </a:t>
-            </a:r>
-            <a:r>
-              <a:rPr lang="fi-FI" dirty="0" err="1"/>
-              <a:t>engine</a:t>
-            </a:r>
-            <a:r>
-              <a:rPr lang="fi-FI" dirty="0"/>
-              <a:t> luokassa voisi olla logiikka, joka tunnistaa missä USB-portissa lukija on.</a:t>
-            </a:r>
-          </a:p>
-        </p:txBody>
-      </p:sp>
-    </p:spTree>
-    <p:extLst>
-      <p:ext uri="{BB962C8B-B14F-4D97-AF65-F5344CB8AC3E}">
-        <p14:creationId xmlns:p14="http://schemas.microsoft.com/office/powerpoint/2010/main" val="1741915467"/>
-      </p:ext>
-    </p:extLst>
-  </p:cSld>
-  <p:clrMapOvr>
-    <a:masterClrMapping/>
-  </p:clrMapOvr>
-</p:sld>
-</file>
-
-<file path=ppt/slides/slide4.xml><?xml version="1.0" encoding="utf-8"?>
-<p:sld xmlns:a="http://schemas.openxmlformats.org/drawingml/2006/main" xmlns:r="http://schemas.openxmlformats.org/officeDocument/2006/relationships" xmlns:p="http://schemas.openxmlformats.org/presentationml/2006/main">
-  <p:cSld>
-    <p:spTree>
-      <p:nvGrpSpPr>
-        <p:cNvPr id="1" name=""/>
-        <p:cNvGrpSpPr/>
-        <p:nvPr/>
-      </p:nvGrpSpPr>
-      <p:grpSpPr>
-        <a:xfrm>
-          <a:off x="0" y="0"/>
-          <a:ext cx="0" cy="0"/>
-          <a:chOff x="0" y="0"/>
-          <a:chExt cx="0" cy="0"/>
-        </a:xfrm>
-      </p:grpSpPr>
-      <p:sp>
-        <p:nvSpPr>
-          <p:cNvPr id="2" name="Title 1">
-            <a:extLst>
-              <a:ext uri="{FF2B5EF4-FFF2-40B4-BE49-F238E27FC236}">
-                <a16:creationId xmlns:a16="http://schemas.microsoft.com/office/drawing/2014/main" id="{FCA09750-CA30-59E7-D6C7-E85DBE57D331}"/>
-              </a:ext>
-            </a:extLst>
-          </p:cNvPr>
-          <p:cNvSpPr>
-            <a:spLocks noGrp="1"/>
-          </p:cNvSpPr>
-          <p:nvPr>
-            <p:ph type="title"/>
-          </p:nvPr>
-        </p:nvSpPr>
-        <p:spPr>
-          <a:xfrm>
-            <a:off x="838200" y="403641"/>
-            <a:ext cx="10515600" cy="1325563"/>
-          </a:xfrm>
-        </p:spPr>
-        <p:txBody>
-          <a:bodyPr/>
-          <a:lstStyle/>
-          <a:p>
-            <a:r>
-              <a:rPr lang="fi-FI" dirty="0"/>
-              <a:t>Projektissa ei tarvitse toteuttaa </a:t>
-            </a:r>
-            <a:r>
-              <a:rPr lang="fi-FI" dirty="0" err="1"/>
-              <a:t>interface-engine</a:t>
-            </a:r>
-            <a:r>
-              <a:rPr lang="fi-FI" dirty="0"/>
-              <a:t> rakenteena, koska…</a:t>
-            </a:r>
-          </a:p>
-        </p:txBody>
-      </p:sp>
-      <p:grpSp>
-        <p:nvGrpSpPr>
-          <p:cNvPr id="20" name="Group 19">
-            <a:extLst>
-              <a:ext uri="{FF2B5EF4-FFF2-40B4-BE49-F238E27FC236}">
-                <a16:creationId xmlns:a16="http://schemas.microsoft.com/office/drawing/2014/main" id="{C8577570-B4F6-564D-0F9A-1F41F9FAA5AB}"/>
-              </a:ext>
-            </a:extLst>
-          </p:cNvPr>
-          <p:cNvGrpSpPr/>
-          <p:nvPr/>
-        </p:nvGrpSpPr>
-        <p:grpSpPr>
-          <a:xfrm>
-            <a:off x="472699" y="3609167"/>
-            <a:ext cx="10558220" cy="2940803"/>
-            <a:chOff x="379709" y="2807130"/>
-            <a:chExt cx="10558220" cy="2940803"/>
-          </a:xfrm>
-        </p:grpSpPr>
-        <p:sp>
-          <p:nvSpPr>
-            <p:cNvPr id="4" name="Rectangle 3">
-              <a:extLst>
-                <a:ext uri="{FF2B5EF4-FFF2-40B4-BE49-F238E27FC236}">
-                  <a16:creationId xmlns:a16="http://schemas.microsoft.com/office/drawing/2014/main" id="{4920145C-D174-1CF3-994D-7084B250618E}"/>
-                </a:ext>
-              </a:extLst>
-            </p:cNvPr>
-            <p:cNvSpPr/>
-            <p:nvPr/>
-          </p:nvSpPr>
-          <p:spPr>
-            <a:xfrm>
-              <a:off x="838200" y="3490992"/>
-              <a:ext cx="1955369" cy="1588576"/>
-            </a:xfrm>
-            <a:prstGeom prst="rect">
-              <a:avLst/>
-            </a:prstGeom>
-          </p:spPr>
-          <p:style>
-            <a:lnRef idx="2">
-              <a:schemeClr val="accent1">
-                <a:shade val="15000"/>
-              </a:schemeClr>
-            </a:lnRef>
-            <a:fillRef idx="1">
-              <a:schemeClr val="accent1"/>
-            </a:fillRef>
-            <a:effectRef idx="0">
-              <a:schemeClr val="accent1"/>
-            </a:effectRef>
-            <a:fontRef idx="minor">
-              <a:schemeClr val="lt1"/>
-            </a:fontRef>
-          </p:style>
-          <p:txBody>
-            <a:bodyPr rtlCol="0" anchor="ctr"/>
-            <a:lstStyle/>
-            <a:p>
-              <a:pPr algn="ctr"/>
-              <a:r>
-                <a:rPr lang="fi-FI" dirty="0"/>
-                <a:t>EXE</a:t>
-              </a:r>
-            </a:p>
-          </p:txBody>
-        </p:sp>
-        <p:sp>
-          <p:nvSpPr>
-            <p:cNvPr id="5" name="Rectangle 4">
-              <a:extLst>
-                <a:ext uri="{FF2B5EF4-FFF2-40B4-BE49-F238E27FC236}">
-                  <a16:creationId xmlns:a16="http://schemas.microsoft.com/office/drawing/2014/main" id="{DCBC9BE4-811F-54F2-570E-992BA8F24F4B}"/>
-                </a:ext>
-              </a:extLst>
-            </p:cNvPr>
-            <p:cNvSpPr/>
-            <p:nvPr/>
-          </p:nvSpPr>
-          <p:spPr>
-            <a:xfrm>
-              <a:off x="4510007" y="2807130"/>
-              <a:ext cx="6427922" cy="2940803"/>
-            </a:xfrm>
-            <a:prstGeom prst="rect">
-              <a:avLst/>
-            </a:prstGeom>
-            <a:noFill/>
-          </p:spPr>
-          <p:style>
-            <a:lnRef idx="2">
-              <a:schemeClr val="accent1">
-                <a:shade val="15000"/>
-              </a:schemeClr>
-            </a:lnRef>
-            <a:fillRef idx="1">
-              <a:schemeClr val="accent1"/>
-            </a:fillRef>
-            <a:effectRef idx="0">
-              <a:schemeClr val="accent1"/>
-            </a:effectRef>
-            <a:fontRef idx="minor">
-              <a:schemeClr val="lt1"/>
-            </a:fontRef>
-          </p:style>
-          <p:txBody>
-            <a:bodyPr rtlCol="0" anchor="ctr"/>
-            <a:lstStyle/>
-            <a:p>
-              <a:pPr algn="ctr"/>
-              <a:endParaRPr lang="fi-FI"/>
-            </a:p>
-          </p:txBody>
-        </p:sp>
-        <p:sp>
-          <p:nvSpPr>
-            <p:cNvPr id="6" name="Rectangle 5">
-              <a:extLst>
-                <a:ext uri="{FF2B5EF4-FFF2-40B4-BE49-F238E27FC236}">
-                  <a16:creationId xmlns:a16="http://schemas.microsoft.com/office/drawing/2014/main" id="{B4F73AE0-D69E-7607-3615-BAF60D1A4603}"/>
-                </a:ext>
-              </a:extLst>
-            </p:cNvPr>
-            <p:cNvSpPr/>
-            <p:nvPr/>
-          </p:nvSpPr>
-          <p:spPr>
-            <a:xfrm>
-              <a:off x="5449592" y="3428999"/>
-              <a:ext cx="1844298" cy="1650569"/>
-            </a:xfrm>
-            <a:prstGeom prst="rect">
-              <a:avLst/>
-            </a:prstGeom>
-          </p:spPr>
-          <p:style>
-            <a:lnRef idx="2">
-              <a:schemeClr val="accent1">
-                <a:shade val="15000"/>
-              </a:schemeClr>
-            </a:lnRef>
-            <a:fillRef idx="1">
-              <a:schemeClr val="accent1"/>
-            </a:fillRef>
-            <a:effectRef idx="0">
-              <a:schemeClr val="accent1"/>
-            </a:effectRef>
-            <a:fontRef idx="minor">
-              <a:schemeClr val="lt1"/>
-            </a:fontRef>
-          </p:style>
-          <p:txBody>
-            <a:bodyPr rtlCol="0" anchor="ctr"/>
-            <a:lstStyle/>
-            <a:p>
-              <a:pPr algn="ctr"/>
-              <a:r>
-                <a:rPr lang="fi-FI" dirty="0" err="1"/>
-                <a:t>Interface</a:t>
-              </a:r>
-              <a:endParaRPr lang="fi-FI" dirty="0"/>
-            </a:p>
-          </p:txBody>
-        </p:sp>
-        <p:sp>
-          <p:nvSpPr>
-            <p:cNvPr id="7" name="Rectangle 6">
-              <a:extLst>
-                <a:ext uri="{FF2B5EF4-FFF2-40B4-BE49-F238E27FC236}">
-                  <a16:creationId xmlns:a16="http://schemas.microsoft.com/office/drawing/2014/main" id="{9E432B17-4AA0-3DE7-BAAC-03E2CDCDD02A}"/>
-                </a:ext>
-              </a:extLst>
-            </p:cNvPr>
-            <p:cNvSpPr/>
-            <p:nvPr/>
-          </p:nvSpPr>
-          <p:spPr>
-            <a:xfrm>
-              <a:off x="8357461" y="3429000"/>
-              <a:ext cx="1844298" cy="1650569"/>
-            </a:xfrm>
-            <a:prstGeom prst="rect">
-              <a:avLst/>
-            </a:prstGeom>
-          </p:spPr>
-          <p:style>
-            <a:lnRef idx="2">
-              <a:schemeClr val="accent1">
-                <a:shade val="15000"/>
-              </a:schemeClr>
-            </a:lnRef>
-            <a:fillRef idx="1">
-              <a:schemeClr val="accent1"/>
-            </a:fillRef>
-            <a:effectRef idx="0">
-              <a:schemeClr val="accent1"/>
-            </a:effectRef>
-            <a:fontRef idx="minor">
-              <a:schemeClr val="lt1"/>
-            </a:fontRef>
-          </p:style>
-          <p:txBody>
-            <a:bodyPr rtlCol="0" anchor="ctr"/>
-            <a:lstStyle/>
-            <a:p>
-              <a:pPr algn="ctr"/>
-              <a:r>
-                <a:rPr lang="fi-FI" dirty="0"/>
-                <a:t>Engine</a:t>
-              </a:r>
-            </a:p>
-          </p:txBody>
-        </p:sp>
-        <p:sp>
-          <p:nvSpPr>
-            <p:cNvPr id="10" name="TextBox 9">
-              <a:extLst>
-                <a:ext uri="{FF2B5EF4-FFF2-40B4-BE49-F238E27FC236}">
-                  <a16:creationId xmlns:a16="http://schemas.microsoft.com/office/drawing/2014/main" id="{1E54FF64-1366-60D4-3D23-4E2D11DF901F}"/>
-                </a:ext>
-              </a:extLst>
-            </p:cNvPr>
-            <p:cNvSpPr txBox="1"/>
-            <p:nvPr/>
-          </p:nvSpPr>
-          <p:spPr>
-            <a:xfrm>
-              <a:off x="379709" y="2976709"/>
-              <a:ext cx="3607847" cy="369332"/>
-            </a:xfrm>
-            <a:prstGeom prst="rect">
-              <a:avLst/>
-            </a:prstGeom>
-            <a:noFill/>
-          </p:spPr>
-          <p:txBody>
-            <a:bodyPr wrap="none" rtlCol="0">
-              <a:spAutoFit/>
-            </a:bodyPr>
-            <a:lstStyle/>
-            <a:p>
-              <a:r>
-                <a:rPr lang="fi-FI" dirty="0"/>
-                <a:t>Connect(</a:t>
-              </a:r>
-              <a:r>
-                <a:rPr lang="fi-FI" dirty="0" err="1"/>
-                <a:t>Interface,SIGNAL,EXE,SLOT</a:t>
-              </a:r>
-              <a:r>
-                <a:rPr lang="fi-FI" dirty="0"/>
-                <a:t>)</a:t>
-              </a:r>
-            </a:p>
-          </p:txBody>
-        </p:sp>
-        <p:sp>
-          <p:nvSpPr>
-            <p:cNvPr id="11" name="TextBox 10">
-              <a:extLst>
-                <a:ext uri="{FF2B5EF4-FFF2-40B4-BE49-F238E27FC236}">
-                  <a16:creationId xmlns:a16="http://schemas.microsoft.com/office/drawing/2014/main" id="{D9C4BD45-8DEB-9FE0-0205-38E3247E8A2F}"/>
-                </a:ext>
-              </a:extLst>
-            </p:cNvPr>
-            <p:cNvSpPr txBox="1"/>
-            <p:nvPr/>
-          </p:nvSpPr>
-          <p:spPr>
-            <a:xfrm>
-              <a:off x="4681780" y="2862687"/>
-              <a:ext cx="3896388" cy="369332"/>
-            </a:xfrm>
-            <a:prstGeom prst="rect">
-              <a:avLst/>
-            </a:prstGeom>
-            <a:noFill/>
-          </p:spPr>
-          <p:txBody>
-            <a:bodyPr wrap="none" rtlCol="0">
-              <a:spAutoFit/>
-            </a:bodyPr>
-            <a:lstStyle/>
-            <a:p>
-              <a:r>
-                <a:rPr lang="fi-FI" dirty="0"/>
-                <a:t>Connect(</a:t>
-              </a:r>
-              <a:r>
-                <a:rPr lang="fi-FI" dirty="0" err="1"/>
-                <a:t>Engine,SIGNAL,Interface,SLOT</a:t>
-              </a:r>
-              <a:r>
-                <a:rPr lang="fi-FI" dirty="0"/>
-                <a:t>)</a:t>
-              </a:r>
-            </a:p>
-          </p:txBody>
-        </p:sp>
-        <p:sp>
-          <p:nvSpPr>
-            <p:cNvPr id="13" name="Arc 12">
-              <a:extLst>
-                <a:ext uri="{FF2B5EF4-FFF2-40B4-BE49-F238E27FC236}">
-                  <a16:creationId xmlns:a16="http://schemas.microsoft.com/office/drawing/2014/main" id="{5D4741A2-6697-5569-9470-B49DCB852B3C}"/>
-                </a:ext>
-              </a:extLst>
-            </p:cNvPr>
-            <p:cNvSpPr/>
-            <p:nvPr/>
-          </p:nvSpPr>
-          <p:spPr>
-            <a:xfrm>
-              <a:off x="5449592" y="4215539"/>
-              <a:ext cx="914400" cy="914400"/>
-            </a:xfrm>
-            <a:prstGeom prst="arc">
-              <a:avLst/>
-            </a:prstGeom>
-          </p:spPr>
-          <p:style>
-            <a:lnRef idx="1">
-              <a:schemeClr val="accent1"/>
-            </a:lnRef>
-            <a:fillRef idx="0">
-              <a:schemeClr val="accent1"/>
-            </a:fillRef>
-            <a:effectRef idx="0">
-              <a:schemeClr val="accent1"/>
-            </a:effectRef>
-            <a:fontRef idx="minor">
-              <a:schemeClr val="tx1"/>
-            </a:fontRef>
-          </p:style>
-          <p:txBody>
-            <a:bodyPr rtlCol="0" anchor="ctr"/>
-            <a:lstStyle/>
-            <a:p>
-              <a:pPr algn="ctr"/>
-              <a:endParaRPr lang="fi-FI"/>
-            </a:p>
-          </p:txBody>
-        </p:sp>
-        <p:sp>
-          <p:nvSpPr>
-            <p:cNvPr id="17" name="Freeform: Shape 16">
-              <a:extLst>
-                <a:ext uri="{FF2B5EF4-FFF2-40B4-BE49-F238E27FC236}">
-                  <a16:creationId xmlns:a16="http://schemas.microsoft.com/office/drawing/2014/main" id="{902EF683-07A1-D90F-7626-5AAF2AB51CAE}"/>
-                </a:ext>
-              </a:extLst>
-            </p:cNvPr>
-            <p:cNvSpPr/>
-            <p:nvPr/>
-          </p:nvSpPr>
-          <p:spPr>
-            <a:xfrm>
-              <a:off x="2801319" y="3485959"/>
-              <a:ext cx="2642461" cy="818695"/>
-            </a:xfrm>
-            <a:custGeom>
-              <a:avLst/>
-              <a:gdLst>
-                <a:gd name="connsiteX0" fmla="*/ 2642461 w 2642461"/>
-                <a:gd name="connsiteY0" fmla="*/ 675336 h 818695"/>
-                <a:gd name="connsiteX1" fmla="*/ 1143000 w 2642461"/>
-                <a:gd name="connsiteY1" fmla="*/ 1160 h 818695"/>
-                <a:gd name="connsiteX2" fmla="*/ 0 w 2642461"/>
-                <a:gd name="connsiteY2" fmla="*/ 818695 h 818695"/>
-                <a:gd name="connsiteX3" fmla="*/ 0 w 2642461"/>
-                <a:gd name="connsiteY3" fmla="*/ 818695 h 818695"/>
-              </a:gdLst>
-              <a:ahLst/>
-              <a:cxnLst>
-                <a:cxn ang="0">
-                  <a:pos x="connsiteX0" y="connsiteY0"/>
-                </a:cxn>
-                <a:cxn ang="0">
-                  <a:pos x="connsiteX1" y="connsiteY1"/>
-                </a:cxn>
-                <a:cxn ang="0">
-                  <a:pos x="connsiteX2" y="connsiteY2"/>
-                </a:cxn>
-                <a:cxn ang="0">
-                  <a:pos x="connsiteX3" y="connsiteY3"/>
-                </a:cxn>
-              </a:cxnLst>
-              <a:rect l="l" t="t" r="r" b="b"/>
-              <a:pathLst>
-                <a:path w="2642461" h="818695">
-                  <a:moveTo>
-                    <a:pt x="2642461" y="675336"/>
-                  </a:moveTo>
-                  <a:cubicBezTo>
-                    <a:pt x="2112935" y="326301"/>
-                    <a:pt x="1583410" y="-22733"/>
-                    <a:pt x="1143000" y="1160"/>
-                  </a:cubicBezTo>
-                  <a:cubicBezTo>
-                    <a:pt x="702590" y="25053"/>
-                    <a:pt x="0" y="818695"/>
-                    <a:pt x="0" y="818695"/>
-                  </a:cubicBezTo>
-                  <a:lnTo>
-                    <a:pt x="0" y="818695"/>
-                  </a:lnTo>
-                </a:path>
-              </a:pathLst>
-            </a:custGeom>
-            <a:noFill/>
-            <a:ln>
-              <a:prstDash val="sysDot"/>
-              <a:headEnd type="none" w="med" len="med"/>
-              <a:tailEnd type="triangle" w="med" len="med"/>
-            </a:ln>
-          </p:spPr>
-          <p:style>
-            <a:lnRef idx="2">
-              <a:schemeClr val="accent1">
-                <a:shade val="15000"/>
-              </a:schemeClr>
-            </a:lnRef>
-            <a:fillRef idx="1">
-              <a:schemeClr val="accent1"/>
-            </a:fillRef>
-            <a:effectRef idx="0">
-              <a:schemeClr val="accent1"/>
-            </a:effectRef>
-            <a:fontRef idx="minor">
-              <a:schemeClr val="lt1"/>
-            </a:fontRef>
-          </p:style>
-          <p:txBody>
-            <a:bodyPr rtlCol="0" anchor="ctr"/>
-            <a:lstStyle/>
-            <a:p>
-              <a:pPr algn="ctr"/>
-              <a:endParaRPr lang="fi-FI"/>
-            </a:p>
-          </p:txBody>
-        </p:sp>
-        <p:sp>
-          <p:nvSpPr>
-            <p:cNvPr id="18" name="Freeform: Shape 17">
-              <a:extLst>
-                <a:ext uri="{FF2B5EF4-FFF2-40B4-BE49-F238E27FC236}">
-                  <a16:creationId xmlns:a16="http://schemas.microsoft.com/office/drawing/2014/main" id="{5D2A83B6-8ACC-E494-3D75-A88A90EF73A1}"/>
-                </a:ext>
-              </a:extLst>
-            </p:cNvPr>
-            <p:cNvSpPr/>
-            <p:nvPr/>
-          </p:nvSpPr>
-          <p:spPr>
-            <a:xfrm>
-              <a:off x="7334573" y="4052807"/>
-              <a:ext cx="986725" cy="315132"/>
-            </a:xfrm>
-            <a:custGeom>
-              <a:avLst/>
-              <a:gdLst>
-                <a:gd name="connsiteX0" fmla="*/ 2642461 w 2642461"/>
-                <a:gd name="connsiteY0" fmla="*/ 675336 h 818695"/>
-                <a:gd name="connsiteX1" fmla="*/ 1143000 w 2642461"/>
-                <a:gd name="connsiteY1" fmla="*/ 1160 h 818695"/>
-                <a:gd name="connsiteX2" fmla="*/ 0 w 2642461"/>
-                <a:gd name="connsiteY2" fmla="*/ 818695 h 818695"/>
-                <a:gd name="connsiteX3" fmla="*/ 0 w 2642461"/>
-                <a:gd name="connsiteY3" fmla="*/ 818695 h 818695"/>
-              </a:gdLst>
-              <a:ahLst/>
-              <a:cxnLst>
-                <a:cxn ang="0">
-                  <a:pos x="connsiteX0" y="connsiteY0"/>
-                </a:cxn>
-                <a:cxn ang="0">
-                  <a:pos x="connsiteX1" y="connsiteY1"/>
-                </a:cxn>
-                <a:cxn ang="0">
-                  <a:pos x="connsiteX2" y="connsiteY2"/>
-                </a:cxn>
-                <a:cxn ang="0">
-                  <a:pos x="connsiteX3" y="connsiteY3"/>
-                </a:cxn>
-              </a:cxnLst>
-              <a:rect l="l" t="t" r="r" b="b"/>
-              <a:pathLst>
-                <a:path w="2642461" h="818695">
-                  <a:moveTo>
-                    <a:pt x="2642461" y="675336"/>
-                  </a:moveTo>
-                  <a:cubicBezTo>
-                    <a:pt x="2112935" y="326301"/>
-                    <a:pt x="1583410" y="-22733"/>
-                    <a:pt x="1143000" y="1160"/>
-                  </a:cubicBezTo>
-                  <a:cubicBezTo>
-                    <a:pt x="702590" y="25053"/>
-                    <a:pt x="0" y="818695"/>
-                    <a:pt x="0" y="818695"/>
-                  </a:cubicBezTo>
-                  <a:lnTo>
-                    <a:pt x="0" y="818695"/>
-                  </a:lnTo>
-                </a:path>
-              </a:pathLst>
-            </a:custGeom>
-            <a:noFill/>
-            <a:ln>
-              <a:prstDash val="sysDot"/>
-              <a:headEnd type="none" w="med" len="med"/>
-              <a:tailEnd type="triangle" w="med" len="med"/>
-            </a:ln>
-          </p:spPr>
-          <p:style>
-            <a:lnRef idx="2">
-              <a:schemeClr val="accent1">
-                <a:shade val="15000"/>
-              </a:schemeClr>
-            </a:lnRef>
-            <a:fillRef idx="1">
-              <a:schemeClr val="accent1"/>
-            </a:fillRef>
-            <a:effectRef idx="0">
-              <a:schemeClr val="accent1"/>
-            </a:effectRef>
-            <a:fontRef idx="minor">
-              <a:schemeClr val="lt1"/>
-            </a:fontRef>
-          </p:style>
-          <p:txBody>
-            <a:bodyPr rtlCol="0" anchor="ctr"/>
-            <a:lstStyle/>
-            <a:p>
-              <a:pPr algn="ctr"/>
-              <a:endParaRPr lang="fi-FI"/>
-            </a:p>
-          </p:txBody>
-        </p:sp>
-      </p:grpSp>
-      <p:pic>
-        <p:nvPicPr>
-          <p:cNvPr id="19" name="Picture 18">
-            <a:extLst>
-              <a:ext uri="{FF2B5EF4-FFF2-40B4-BE49-F238E27FC236}">
-                <a16:creationId xmlns:a16="http://schemas.microsoft.com/office/drawing/2014/main" id="{0C0B3F90-CBCF-2A91-7E8C-7CF409C358D1}"/>
-              </a:ext>
-            </a:extLst>
-          </p:cNvPr>
-          <p:cNvPicPr>
-            <a:picLocks noChangeAspect="1"/>
-          </p:cNvPicPr>
-          <p:nvPr/>
-        </p:nvPicPr>
-        <p:blipFill>
-          <a:blip r:embed="rId2"/>
-          <a:stretch>
-            <a:fillRect/>
-          </a:stretch>
-        </p:blipFill>
-        <p:spPr>
-          <a:xfrm>
-            <a:off x="10387738" y="1522831"/>
-            <a:ext cx="1501265" cy="2006499"/>
-          </a:xfrm>
-          <a:prstGeom prst="rect">
-            <a:avLst/>
-          </a:prstGeom>
-        </p:spPr>
-      </p:pic>
-    </p:spTree>
-    <p:extLst>
-      <p:ext uri="{BB962C8B-B14F-4D97-AF65-F5344CB8AC3E}">
-        <p14:creationId xmlns:p14="http://schemas.microsoft.com/office/powerpoint/2010/main" val="659292239"/>
-      </p:ext>
-    </p:extLst>
-  </p:cSld>
-  <p:clrMapOvr>
-    <a:masterClrMapping/>
-  </p:clrMapOvr>
-</p:sld>
-</file>
-
-<file path=ppt/slides/slide5.xml><?xml version="1.0" encoding="utf-8"?>
 <p:sld xmlns:a="http://schemas.openxmlformats.org/drawingml/2006/main" xmlns:r="http://schemas.openxmlformats.org/officeDocument/2006/relationships" xmlns:p="http://schemas.openxmlformats.org/presentationml/2006/main">
   <p:cSld>
     <p:spTree>
@@ -5187,7 +4294,7 @@
 </p:sld>
 </file>
 
-<file path=ppt/slides/slide6.xml><?xml version="1.0" encoding="utf-8"?>
+<file path=ppt/slides/slide4.xml><?xml version="1.0" encoding="utf-8"?>
 <p:sld xmlns:a="http://schemas.openxmlformats.org/drawingml/2006/main" xmlns:r="http://schemas.openxmlformats.org/officeDocument/2006/relationships" xmlns:p="http://schemas.openxmlformats.org/presentationml/2006/main">
   <p:cSld>
     <p:spTree>
@@ -5757,6 +4864,336 @@
 </p:sld>
 </file>
 
+<file path=ppt/slides/slide5.xml><?xml version="1.0" encoding="utf-8"?>
+<p:sld xmlns:a="http://schemas.openxmlformats.org/drawingml/2006/main" xmlns:r="http://schemas.openxmlformats.org/officeDocument/2006/relationships" xmlns:p="http://schemas.openxmlformats.org/presentationml/2006/main">
+  <p:cSld>
+    <p:spTree>
+      <p:nvGrpSpPr>
+        <p:cNvPr id="1" name=""/>
+        <p:cNvGrpSpPr/>
+        <p:nvPr/>
+      </p:nvGrpSpPr>
+      <p:grpSpPr>
+        <a:xfrm>
+          <a:off x="0" y="0"/>
+          <a:ext cx="0" cy="0"/>
+          <a:chOff x="0" y="0"/>
+          <a:chExt cx="0" cy="0"/>
+        </a:xfrm>
+      </p:grpSpPr>
+      <p:sp>
+        <p:nvSpPr>
+          <p:cNvPr id="3" name="Title 2">
+            <a:extLst>
+              <a:ext uri="{FF2B5EF4-FFF2-40B4-BE49-F238E27FC236}">
+                <a16:creationId xmlns:a16="http://schemas.microsoft.com/office/drawing/2014/main" id="{8795C94C-C16E-FB75-6DD1-C6E0F455F41F}"/>
+              </a:ext>
+            </a:extLst>
+          </p:cNvPr>
+          <p:cNvSpPr>
+            <a:spLocks noGrp="1"/>
+          </p:cNvSpPr>
+          <p:nvPr>
+            <p:ph type="title"/>
+          </p:nvPr>
+        </p:nvSpPr>
+        <p:spPr/>
+        <p:txBody>
+          <a:bodyPr/>
+          <a:lstStyle/>
+          <a:p>
+            <a:r>
+              <a:rPr lang="fi-FI" dirty="0"/>
+              <a:t>Tehtävät:</a:t>
+            </a:r>
+          </a:p>
+        </p:txBody>
+      </p:sp>
+      <p:sp>
+        <p:nvSpPr>
+          <p:cNvPr id="4" name="Content Placeholder 3">
+            <a:extLst>
+              <a:ext uri="{FF2B5EF4-FFF2-40B4-BE49-F238E27FC236}">
+                <a16:creationId xmlns:a16="http://schemas.microsoft.com/office/drawing/2014/main" id="{04779CBD-1F65-DD92-AD9B-8FBC6BA9E1E3}"/>
+              </a:ext>
+            </a:extLst>
+          </p:cNvPr>
+          <p:cNvSpPr>
+            <a:spLocks noGrp="1"/>
+          </p:cNvSpPr>
+          <p:nvPr>
+            <p:ph idx="1"/>
+          </p:nvPr>
+        </p:nvSpPr>
+        <p:spPr/>
+        <p:txBody>
+          <a:bodyPr/>
+          <a:lstStyle/>
+          <a:p>
+            <a:pPr marL="514350" indent="-514350">
+              <a:buFont typeface="+mj-lt"/>
+              <a:buAutoNum type="arabicPeriod"/>
+            </a:pPr>
+            <a:r>
+              <a:rPr lang="fi-FI" dirty="0"/>
+              <a:t>Toteutetaan DLL, jossa yksi </a:t>
+            </a:r>
+            <a:r>
+              <a:rPr lang="fi-FI" dirty="0" err="1"/>
+              <a:t>QDebugilla</a:t>
+            </a:r>
+            <a:r>
+              <a:rPr lang="fi-FI" dirty="0"/>
+              <a:t> tulostava funktio ja liitetään se EXE komponenttiin. Todistetaan tulostusfunktion toiminta </a:t>
+            </a:r>
+            <a:r>
+              <a:rPr lang="fi-FI" dirty="0" err="1"/>
+              <a:t>EXEstä</a:t>
+            </a:r>
+            <a:r>
+              <a:rPr lang="fi-FI" dirty="0"/>
+              <a:t>.</a:t>
+            </a:r>
+          </a:p>
+          <a:p>
+            <a:pPr marL="514350" indent="-514350">
+              <a:buFont typeface="+mj-lt"/>
+              <a:buAutoNum type="arabicPeriod"/>
+            </a:pPr>
+            <a:r>
+              <a:rPr lang="fi-FI" dirty="0"/>
+              <a:t>Toteutetaan alkua RDID-kortinlukija DLL:stä ja tutustutaan samalla </a:t>
+            </a:r>
+            <a:r>
+              <a:rPr lang="fi-FI" dirty="0" err="1"/>
+              <a:t>QSerialPort</a:t>
+            </a:r>
+            <a:r>
+              <a:rPr lang="fi-FI" dirty="0"/>
+              <a:t> ja </a:t>
+            </a:r>
+            <a:r>
+              <a:rPr lang="fi-FI" dirty="0" err="1"/>
+              <a:t>QSerialPortInfo</a:t>
+            </a:r>
+            <a:r>
+              <a:rPr lang="fi-FI" dirty="0"/>
+              <a:t> –luokkiin.</a:t>
+            </a:r>
+          </a:p>
+          <a:p>
+            <a:pPr marL="514350" indent="-514350">
+              <a:buFont typeface="+mj-lt"/>
+              <a:buAutoNum type="arabicPeriod"/>
+            </a:pPr>
+            <a:r>
+              <a:rPr lang="fi-FI" dirty="0"/>
+              <a:t>Miten saadaan signaali DLL:stä </a:t>
+            </a:r>
+            <a:r>
+              <a:rPr lang="fi-FI" dirty="0" err="1"/>
+              <a:t>EXEeen</a:t>
+            </a:r>
+            <a:r>
+              <a:rPr lang="fi-FI"/>
+              <a:t>?</a:t>
+            </a:r>
+            <a:endParaRPr lang="fi-FI" dirty="0"/>
+          </a:p>
+          <a:p>
+            <a:pPr marL="514350" indent="-514350">
+              <a:buFont typeface="+mj-lt"/>
+              <a:buAutoNum type="arabicPeriod"/>
+            </a:pPr>
+            <a:r>
+              <a:rPr lang="fi-FI" dirty="0"/>
+              <a:t>Entä, jos DLL olisikin sellainen, jolla on oma UI, miten sellainen tehtäisiin?</a:t>
+            </a:r>
+          </a:p>
+        </p:txBody>
+      </p:sp>
+    </p:spTree>
+    <p:extLst>
+      <p:ext uri="{BB962C8B-B14F-4D97-AF65-F5344CB8AC3E}">
+        <p14:creationId xmlns:p14="http://schemas.microsoft.com/office/powerpoint/2010/main" val="808416712"/>
+      </p:ext>
+    </p:extLst>
+  </p:cSld>
+  <p:clrMapOvr>
+    <a:masterClrMapping/>
+  </p:clrMapOvr>
+</p:sld>
+</file>
+
+<file path=ppt/slides/slide6.xml><?xml version="1.0" encoding="utf-8"?>
+<p:sld xmlns:a="http://schemas.openxmlformats.org/drawingml/2006/main" xmlns:r="http://schemas.openxmlformats.org/officeDocument/2006/relationships" xmlns:p="http://schemas.openxmlformats.org/presentationml/2006/main">
+  <p:cSld>
+    <p:spTree>
+      <p:nvGrpSpPr>
+        <p:cNvPr id="1" name=""/>
+        <p:cNvGrpSpPr/>
+        <p:nvPr/>
+      </p:nvGrpSpPr>
+      <p:grpSpPr>
+        <a:xfrm>
+          <a:off x="0" y="0"/>
+          <a:ext cx="0" cy="0"/>
+          <a:chOff x="0" y="0"/>
+          <a:chExt cx="0" cy="0"/>
+        </a:xfrm>
+      </p:grpSpPr>
+      <p:sp>
+        <p:nvSpPr>
+          <p:cNvPr id="2" name="Title 1">
+            <a:extLst>
+              <a:ext uri="{FF2B5EF4-FFF2-40B4-BE49-F238E27FC236}">
+                <a16:creationId xmlns:a16="http://schemas.microsoft.com/office/drawing/2014/main" id="{2B2FEB6F-7BFF-4581-FD42-0A10EFF81734}"/>
+              </a:ext>
+            </a:extLst>
+          </p:cNvPr>
+          <p:cNvSpPr>
+            <a:spLocks noGrp="1"/>
+          </p:cNvSpPr>
+          <p:nvPr>
+            <p:ph type="title"/>
+          </p:nvPr>
+        </p:nvSpPr>
+        <p:spPr>
+          <a:xfrm>
+            <a:off x="838200" y="69290"/>
+            <a:ext cx="10515600" cy="1325563"/>
+          </a:xfrm>
+        </p:spPr>
+        <p:txBody>
+          <a:bodyPr/>
+          <a:lstStyle/>
+          <a:p>
+            <a:r>
+              <a:rPr lang="fi-FI" dirty="0" err="1"/>
+              <a:t>Qt</a:t>
+            </a:r>
+            <a:r>
+              <a:rPr lang="fi-FI" dirty="0"/>
+              <a:t> Serial Port </a:t>
+            </a:r>
+            <a:r>
+              <a:rPr lang="fi-FI" dirty="0" err="1"/>
+              <a:t>moduli</a:t>
+            </a:r>
+            <a:r>
+              <a:rPr lang="fi-FI" dirty="0"/>
+              <a:t> pitää olla asennettuna</a:t>
+            </a:r>
+          </a:p>
+        </p:txBody>
+      </p:sp>
+      <p:sp>
+        <p:nvSpPr>
+          <p:cNvPr id="3" name="Content Placeholder 2">
+            <a:extLst>
+              <a:ext uri="{FF2B5EF4-FFF2-40B4-BE49-F238E27FC236}">
+                <a16:creationId xmlns:a16="http://schemas.microsoft.com/office/drawing/2014/main" id="{00C8DFFE-3A4D-5B6D-A951-E8D82028400D}"/>
+              </a:ext>
+            </a:extLst>
+          </p:cNvPr>
+          <p:cNvSpPr>
+            <a:spLocks noGrp="1"/>
+          </p:cNvSpPr>
+          <p:nvPr>
+            <p:ph idx="1"/>
+          </p:nvPr>
+        </p:nvSpPr>
+        <p:spPr>
+          <a:xfrm>
+            <a:off x="838200" y="1825625"/>
+            <a:ext cx="4959569" cy="4351338"/>
+          </a:xfrm>
+        </p:spPr>
+        <p:txBody>
+          <a:bodyPr/>
+          <a:lstStyle/>
+          <a:p>
+            <a:pPr marL="0" indent="0">
+              <a:buNone/>
+            </a:pPr>
+            <a:r>
+              <a:rPr lang="fi-FI" dirty="0" err="1"/>
+              <a:t>Tools-</a:t>
+            </a:r>
+            <a:r>
+              <a:rPr lang="fi-FI" dirty="0"/>
+              <a:t>&gt;</a:t>
+            </a:r>
+            <a:r>
+              <a:rPr lang="fi-FI" dirty="0" err="1"/>
+              <a:t>Qt</a:t>
+            </a:r>
+            <a:r>
+              <a:rPr lang="fi-FI" dirty="0"/>
+              <a:t> </a:t>
+            </a:r>
+            <a:r>
+              <a:rPr lang="fi-FI" dirty="0" err="1"/>
+              <a:t>Maintenance</a:t>
+            </a:r>
+            <a:r>
+              <a:rPr lang="fi-FI" dirty="0"/>
+              <a:t> </a:t>
+            </a:r>
+            <a:r>
+              <a:rPr lang="fi-FI" dirty="0" err="1"/>
+              <a:t>tool</a:t>
+            </a:r>
+            <a:r>
+              <a:rPr lang="fi-FI" dirty="0"/>
+              <a:t> =&gt;</a:t>
+            </a:r>
+          </a:p>
+        </p:txBody>
+      </p:sp>
+      <p:pic>
+        <p:nvPicPr>
+          <p:cNvPr id="7" name="Picture 6">
+            <a:extLst>
+              <a:ext uri="{FF2B5EF4-FFF2-40B4-BE49-F238E27FC236}">
+                <a16:creationId xmlns:a16="http://schemas.microsoft.com/office/drawing/2014/main" id="{C2E3E41A-7CF2-EDFC-85A7-AC328CFF5271}"/>
+              </a:ext>
+            </a:extLst>
+          </p:cNvPr>
+          <p:cNvPicPr>
+            <a:picLocks noChangeAspect="1"/>
+          </p:cNvPicPr>
+          <p:nvPr/>
+        </p:nvPicPr>
+        <p:blipFill>
+          <a:blip r:embed="rId2"/>
+          <a:stretch>
+            <a:fillRect/>
+          </a:stretch>
+        </p:blipFill>
+        <p:spPr>
+          <a:xfrm>
+            <a:off x="6096000" y="1172453"/>
+            <a:ext cx="6019801" cy="5685547"/>
+          </a:xfrm>
+          <a:prstGeom prst="rect">
+            <a:avLst/>
+          </a:prstGeom>
+        </p:spPr>
+      </p:pic>
+    </p:spTree>
+    <p:extLst>
+      <p:ext uri="{BB962C8B-B14F-4D97-AF65-F5344CB8AC3E}">
+        <p14:creationId xmlns:p14="http://schemas.microsoft.com/office/powerpoint/2010/main" val="1754298576"/>
+      </p:ext>
+    </p:extLst>
+  </p:cSld>
+  <p:clrMapOvr>
+    <a:masterClrMapping/>
+  </p:clrMapOvr>
+</p:sld>
+</file>
+
 <file path=ppt/slides/slide7.xml><?xml version="1.0" encoding="utf-8"?>
 <p:sld xmlns:a="http://schemas.openxmlformats.org/drawingml/2006/main" xmlns:r="http://schemas.openxmlformats.org/officeDocument/2006/relationships" xmlns:p="http://schemas.openxmlformats.org/presentationml/2006/main">
   <p:cSld>
@@ -5776,10 +5213,10 @@
       </p:grpSpPr>
       <p:sp>
         <p:nvSpPr>
-          <p:cNvPr id="3" name="Title 2">
-            <a:extLst>
-              <a:ext uri="{FF2B5EF4-FFF2-40B4-BE49-F238E27FC236}">
-                <a16:creationId xmlns:a16="http://schemas.microsoft.com/office/drawing/2014/main" id="{8795C94C-C16E-FB75-6DD1-C6E0F455F41F}"/>
+          <p:cNvPr id="2" name="Title 1">
+            <a:extLst>
+              <a:ext uri="{FF2B5EF4-FFF2-40B4-BE49-F238E27FC236}">
+                <a16:creationId xmlns:a16="http://schemas.microsoft.com/office/drawing/2014/main" id="{77F0BDEE-3139-FC00-2B6C-81E105A95414}"/>
               </a:ext>
             </a:extLst>
           </p:cNvPr>
@@ -5796,18 +5233,19 @@
           <a:lstStyle/>
           <a:p>
             <a:r>
-              <a:rPr lang="fi-FI" dirty="0"/>
-              <a:t>Tehtävät:</a:t>
-            </a:r>
-          </a:p>
-        </p:txBody>
-      </p:sp>
-      <p:sp>
-        <p:nvSpPr>
-          <p:cNvPr id="4" name="Content Placeholder 3">
-            <a:extLst>
-              <a:ext uri="{FF2B5EF4-FFF2-40B4-BE49-F238E27FC236}">
-                <a16:creationId xmlns:a16="http://schemas.microsoft.com/office/drawing/2014/main" id="{04779CBD-1F65-DD92-AD9B-8FBC6BA9E1E3}"/>
+              <a:rPr lang="fi-FI" dirty="0" err="1"/>
+              <a:t>QSerialPort</a:t>
+            </a:r>
+            <a:endParaRPr lang="fi-FI" dirty="0"/>
+          </a:p>
+        </p:txBody>
+      </p:sp>
+      <p:sp>
+        <p:nvSpPr>
+          <p:cNvPr id="6" name="Content Placeholder 5">
+            <a:extLst>
+              <a:ext uri="{FF2B5EF4-FFF2-40B4-BE49-F238E27FC236}">
+                <a16:creationId xmlns:a16="http://schemas.microsoft.com/office/drawing/2014/main" id="{5FE3049C-9BAB-D9E6-CD28-4471B836DE52}"/>
               </a:ext>
             </a:extLst>
           </p:cNvPr>
@@ -5823,138 +5261,73 @@
           <a:bodyPr/>
           <a:lstStyle/>
           <a:p>
-            <a:pPr marL="514350" indent="-514350">
-              <a:buFont typeface="+mj-lt"/>
-              <a:buAutoNum type="arabicPeriod"/>
+            <a:pPr marL="0" indent="0">
+              <a:buNone/>
             </a:pPr>
             <a:r>
               <a:rPr lang="fi-FI" dirty="0"/>
-              <a:t>Toteutetaan DLL, jossa yksi </a:t>
-            </a:r>
-            <a:r>
-              <a:rPr lang="fi-FI" dirty="0" err="1"/>
-              <a:t>Qdebugilla</a:t>
-            </a:r>
-            <a:r>
-              <a:rPr lang="fi-FI" dirty="0"/>
-              <a:t> tulostava funktio ja liitetään se EXE komponenttiin. Todistetaan tulostusfunktion toiminta </a:t>
-            </a:r>
-            <a:r>
-              <a:rPr lang="fi-FI" dirty="0" err="1"/>
-              <a:t>EXEstä</a:t>
-            </a:r>
-            <a:r>
-              <a:rPr lang="fi-FI" dirty="0"/>
-              <a:t>.</a:t>
-            </a:r>
-          </a:p>
-          <a:p>
-            <a:pPr marL="514350" indent="-514350">
-              <a:buFont typeface="+mj-lt"/>
-              <a:buAutoNum type="arabicPeriod"/>
-            </a:pPr>
-            <a:r>
-              <a:rPr lang="fi-FI" dirty="0"/>
-              <a:t>Entä, jos DLL olisikin sellainen, jolla on oma UI, miten sellainen tehtäisiin?</a:t>
-            </a:r>
-          </a:p>
-          <a:p>
-            <a:pPr marL="514350" indent="-514350">
-              <a:buFont typeface="+mj-lt"/>
-              <a:buAutoNum type="arabicPeriod"/>
-            </a:pPr>
-            <a:r>
-              <a:rPr lang="fi-FI" dirty="0"/>
-              <a:t>Toteutetaan DLL, jonka sisällä on </a:t>
-            </a:r>
-            <a:r>
-              <a:rPr lang="fi-FI" dirty="0" err="1"/>
-              <a:t>interface</a:t>
-            </a:r>
-            <a:r>
-              <a:rPr lang="fi-FI" dirty="0"/>
-              <a:t> – </a:t>
-            </a:r>
-            <a:r>
-              <a:rPr lang="fi-FI" dirty="0" err="1"/>
-              <a:t>engine</a:t>
-            </a:r>
-            <a:r>
-              <a:rPr lang="fi-FI" dirty="0"/>
-              <a:t> rakenne</a:t>
-            </a:r>
-          </a:p>
-          <a:p>
-            <a:pPr marL="971550" lvl="1" indent="-514350">
-              <a:buFont typeface="+mj-lt"/>
-              <a:buAutoNum type="arabicPeriod"/>
-            </a:pPr>
-            <a:r>
-              <a:rPr lang="fi-FI" dirty="0"/>
-              <a:t>Funktio </a:t>
-            </a:r>
-            <a:r>
-              <a:rPr lang="fi-FI" dirty="0" err="1"/>
-              <a:t>interface</a:t>
-            </a:r>
-            <a:r>
-              <a:rPr lang="fi-FI" dirty="0"/>
-              <a:t>, jolla saadaan arvottua satunnaislukuja</a:t>
-            </a:r>
-          </a:p>
-          <a:p>
-            <a:pPr marL="971550" lvl="1" indent="-514350">
-              <a:buFont typeface="+mj-lt"/>
-              <a:buAutoNum type="arabicPeriod"/>
-            </a:pPr>
-            <a:r>
-              <a:rPr lang="fi-FI" dirty="0"/>
-              <a:t>Toteutetaan signaali </a:t>
-            </a:r>
-            <a:r>
-              <a:rPr lang="fi-FI" dirty="0" err="1"/>
-              <a:t>interface</a:t>
-            </a:r>
-            <a:endParaRPr lang="fi-FI" dirty="0"/>
-          </a:p>
-        </p:txBody>
-      </p:sp>
-    </p:spTree>
-    <p:extLst>
-      <p:ext uri="{BB962C8B-B14F-4D97-AF65-F5344CB8AC3E}">
-        <p14:creationId xmlns:p14="http://schemas.microsoft.com/office/powerpoint/2010/main" val="808416712"/>
-      </p:ext>
-    </p:extLst>
-  </p:cSld>
-  <p:clrMapOvr>
-    <a:masterClrMapping/>
-  </p:clrMapOvr>
-</p:sld>
-</file>
-
-<file path=ppt/slides/slide8.xml><?xml version="1.0" encoding="utf-8"?>
-<p:sld xmlns:a="http://schemas.openxmlformats.org/drawingml/2006/main" xmlns:r="http://schemas.openxmlformats.org/officeDocument/2006/relationships" xmlns:p="http://schemas.openxmlformats.org/presentationml/2006/main">
-  <p:cSld>
-    <p:spTree>
-      <p:nvGrpSpPr>
-        <p:cNvPr id="1" name=""/>
-        <p:cNvGrpSpPr/>
-        <p:nvPr/>
-      </p:nvGrpSpPr>
-      <p:grpSpPr>
-        <a:xfrm>
-          <a:off x="0" y="0"/>
-          <a:ext cx="0" cy="0"/>
-          <a:chOff x="0" y="0"/>
-          <a:chExt cx="0" cy="0"/>
-        </a:xfrm>
-      </p:grpSpPr>
+              <a:t>RFID-</a:t>
+            </a:r>
+            <a:r>
+              <a:rPr lang="fi-FI" dirty="0" err="1"/>
+              <a:t>card</a:t>
+            </a:r>
+            <a:r>
+              <a:rPr lang="fi-FI" dirty="0"/>
+              <a:t> </a:t>
+            </a:r>
+            <a:r>
+              <a:rPr lang="fi-FI" dirty="0" err="1"/>
+              <a:t>reader</a:t>
+            </a:r>
+            <a:r>
+              <a:rPr lang="fi-FI" dirty="0"/>
+              <a:t> DLL:</a:t>
+            </a:r>
+          </a:p>
+          <a:p>
+            <a:r>
+              <a:rPr lang="fi-FI" dirty="0"/>
+              <a:t>Pitää olla sellainen, että voi lähettää signaalin</a:t>
+            </a:r>
+          </a:p>
+          <a:p>
+            <a:r>
+              <a:rPr lang="fi-FI" dirty="0" err="1"/>
+              <a:t>QSerialPort</a:t>
+            </a:r>
+            <a:r>
+              <a:rPr lang="fi-FI" dirty="0"/>
+              <a:t> koosteoliona DLL-luokan sisällä</a:t>
+            </a:r>
+          </a:p>
+          <a:p>
+            <a:pPr lvl="1"/>
+            <a:r>
+              <a:rPr lang="fi-FI" dirty="0" err="1"/>
+              <a:t>QSerialPort</a:t>
+            </a:r>
+            <a:r>
+              <a:rPr lang="fi-FI" dirty="0"/>
+              <a:t> luokalla on </a:t>
+            </a:r>
+            <a:r>
+              <a:rPr lang="fi-FI" dirty="0" err="1"/>
+              <a:t>readyRead</a:t>
+            </a:r>
+            <a:r>
+              <a:rPr lang="fi-FI" dirty="0"/>
+              <a:t>() signaali, joka tulee aina, kun on luettavaa.</a:t>
+            </a:r>
+          </a:p>
+        </p:txBody>
+      </p:sp>
       <p:pic>
         <p:nvPicPr>
           <p:cNvPr id="5" name="Picture 4">
             <a:extLst>
               <a:ext uri="{FF2B5EF4-FFF2-40B4-BE49-F238E27FC236}">
-                <a16:creationId xmlns:a16="http://schemas.microsoft.com/office/drawing/2014/main" id="{531ADBC1-5B77-48D6-5A58-062B7FE27EA7}"/>
+                <a16:creationId xmlns:a16="http://schemas.microsoft.com/office/drawing/2014/main" id="{2190C637-9C5D-20E2-F7CE-FC1D53CA1D0F}"/>
               </a:ext>
             </a:extLst>
           </p:cNvPr>
@@ -5971,84 +5344,18 @@
         </p:blipFill>
         <p:spPr>
           <a:xfrm>
-            <a:off x="3053166" y="1894232"/>
-            <a:ext cx="6739180" cy="3917148"/>
+            <a:off x="7337613" y="295835"/>
+            <a:ext cx="4712630" cy="1994648"/>
           </a:xfrm>
           <a:prstGeom prst="rect">
             <a:avLst/>
           </a:prstGeom>
         </p:spPr>
       </p:pic>
-      <p:pic>
-        <p:nvPicPr>
-          <p:cNvPr id="7" name="Picture 6">
-            <a:extLst>
-              <a:ext uri="{FF2B5EF4-FFF2-40B4-BE49-F238E27FC236}">
-                <a16:creationId xmlns:a16="http://schemas.microsoft.com/office/drawing/2014/main" id="{2DE0910F-6309-4E06-5AE4-DCB6337CFF2F}"/>
-              </a:ext>
-            </a:extLst>
-          </p:cNvPr>
-          <p:cNvPicPr>
-            <a:picLocks noChangeAspect="1"/>
-          </p:cNvPicPr>
-          <p:nvPr/>
-        </p:nvPicPr>
-        <p:blipFill>
-          <a:blip r:embed="rId3"/>
-          <a:stretch>
-            <a:fillRect/>
-          </a:stretch>
-        </p:blipFill>
-        <p:spPr>
-          <a:xfrm>
-            <a:off x="369572" y="2999014"/>
-            <a:ext cx="2362200" cy="1085850"/>
-          </a:xfrm>
-          <a:prstGeom prst="rect">
-            <a:avLst/>
-          </a:prstGeom>
-        </p:spPr>
-      </p:pic>
-      <p:sp>
-        <p:nvSpPr>
-          <p:cNvPr id="8" name="Title 7">
-            <a:extLst>
-              <a:ext uri="{FF2B5EF4-FFF2-40B4-BE49-F238E27FC236}">
-                <a16:creationId xmlns:a16="http://schemas.microsoft.com/office/drawing/2014/main" id="{FFFA29DA-3AD7-60FB-03F2-3CB587D92AAE}"/>
-              </a:ext>
-            </a:extLst>
-          </p:cNvPr>
-          <p:cNvSpPr>
-            <a:spLocks noGrp="1"/>
-          </p:cNvSpPr>
-          <p:nvPr>
-            <p:ph type="title"/>
-          </p:nvPr>
-        </p:nvSpPr>
-        <p:spPr/>
-        <p:txBody>
-          <a:bodyPr/>
-          <a:lstStyle/>
-          <a:p>
-            <a:r>
-              <a:rPr lang="fi-FI" dirty="0"/>
-              <a:t>Toteutetaan tämä </a:t>
-            </a:r>
-            <a:r>
-              <a:rPr lang="fi-FI" dirty="0" err="1"/>
-              <a:t>EXE:n</a:t>
-            </a:r>
-            <a:r>
-              <a:rPr lang="fi-FI" dirty="0"/>
-              <a:t> ja DLL:n yhteispelinä</a:t>
-            </a:r>
-          </a:p>
-        </p:txBody>
-      </p:sp>
     </p:spTree>
     <p:extLst>
       <p:ext uri="{BB962C8B-B14F-4D97-AF65-F5344CB8AC3E}">
-        <p14:creationId xmlns:p14="http://schemas.microsoft.com/office/powerpoint/2010/main" val="2294287593"/>
+        <p14:creationId xmlns:p14="http://schemas.microsoft.com/office/powerpoint/2010/main" val="891064442"/>
       </p:ext>
     </p:extLst>
   </p:cSld>
@@ -6354,6 +5661,15 @@
 </file>
 
 <file path=customXml/item1.xml><?xml version="1.0" encoding="utf-8"?>
+<?mso-contentType ?>
+<FormTemplates xmlns="http://schemas.microsoft.com/sharepoint/v3/contenttype/forms">
+  <Display>DocumentLibraryForm</Display>
+  <Edit>DocumentLibraryForm</Edit>
+  <New>DocumentLibraryForm</New>
+</FormTemplates>
+</file>
+
+<file path=customXml/item2.xml><?xml version="1.0" encoding="utf-8"?>
 <ct:contentTypeSchema xmlns:ct="http://schemas.microsoft.com/office/2006/metadata/contentType" xmlns:ma="http://schemas.microsoft.com/office/2006/metadata/properties/metaAttributes" ct:_="" ma:_="" ma:contentTypeName="Asiakirja" ma:contentTypeID="0x01010075A879D650EAF1439071501626B9B673" ma:contentTypeVersion="17" ma:contentTypeDescription="Luo uusi asiakirja." ma:contentTypeScope="" ma:versionID="dc8ba20a4cbd309e6afac7c27a68f0b2">
   <xsd:schema xmlns:xsd="http://www.w3.org/2001/XMLSchema" xmlns:xs="http://www.w3.org/2001/XMLSchema" xmlns:p="http://schemas.microsoft.com/office/2006/metadata/properties" xmlns:ns3="20352086-3d93-4b40-b96f-e0e4722dd109" xmlns:ns4="36dc3adc-d7be-4547-a8c3-14e61cc5f2b6" targetNamespace="http://schemas.microsoft.com/office/2006/metadata/properties" ma:root="true" ma:fieldsID="db23ebb8337943776909a834733daf9a" ns3:_="" ns4:_="">
     <xsd:import namespace="20352086-3d93-4b40-b96f-e0e4722dd109"/>
@@ -6600,15 +5916,6 @@
 </ct:contentTypeSchema>
 </file>
 
-<file path=customXml/item2.xml><?xml version="1.0" encoding="utf-8"?>
-<?mso-contentType ?>
-<FormTemplates xmlns="http://schemas.microsoft.com/sharepoint/v3/contenttype/forms">
-  <Display>DocumentLibraryForm</Display>
-  <Edit>DocumentLibraryForm</Edit>
-  <New>DocumentLibraryForm</New>
-</FormTemplates>
-</file>
-
 <file path=customXml/item3.xml><?xml version="1.0" encoding="utf-8"?>
 <p:properties xmlns:p="http://schemas.microsoft.com/office/2006/metadata/properties" xmlns:xsi="http://www.w3.org/2001/XMLSchema-instance" xmlns:pc="http://schemas.microsoft.com/office/infopath/2007/PartnerControls">
   <documentManagement>
@@ -6618,6 +5925,14 @@
 </file>
 
 <file path=customXml/itemProps1.xml><?xml version="1.0" encoding="utf-8"?>
+<ds:datastoreItem xmlns:ds="http://schemas.openxmlformats.org/officeDocument/2006/customXml" ds:itemID="{01F61F09-3A1C-4257-9CE2-43BF389C7FB3}">
+  <ds:schemaRefs>
+    <ds:schemaRef ds:uri="http://schemas.microsoft.com/sharepoint/v3/contenttype/forms"/>
+  </ds:schemaRefs>
+</ds:datastoreItem>
+</file>
+
+<file path=customXml/itemProps2.xml><?xml version="1.0" encoding="utf-8"?>
 <ds:datastoreItem xmlns:ds="http://schemas.openxmlformats.org/officeDocument/2006/customXml" ds:itemID="{83D68331-520C-448D-91D6-E6096C61B21B}">
   <ds:schemaRefs>
     <ds:schemaRef ds:uri="http://schemas.microsoft.com/office/2006/metadata/contentType"/>
@@ -6632,14 +5947,6 @@
     <ds:schemaRef ds:uri="http://purl.org/dc/elements/1.1/"/>
     <ds:schemaRef ds:uri="http://purl.org/dc/terms/"/>
     <ds:schemaRef ds:uri="http://schemas.microsoft.com/internal/obd"/>
-  </ds:schemaRefs>
-</ds:datastoreItem>
-</file>
-
-<file path=customXml/itemProps2.xml><?xml version="1.0" encoding="utf-8"?>
-<ds:datastoreItem xmlns:ds="http://schemas.openxmlformats.org/officeDocument/2006/customXml" ds:itemID="{01F61F09-3A1C-4257-9CE2-43BF389C7FB3}">
-  <ds:schemaRefs>
-    <ds:schemaRef ds:uri="http://schemas.microsoft.com/sharepoint/v3/contenttype/forms"/>
   </ds:schemaRefs>
 </ds:datastoreItem>
 </file>
